--- a/Presentation.pptx
+++ b/Presentation.pptx
@@ -2,7 +2,7 @@
 <file path=ppt/presentation.xml><?xml version="1.0" encoding="utf-8"?>
 <p:presentation xmlns:a="http://schemas.openxmlformats.org/drawingml/2006/main" xmlns:r="http://schemas.openxmlformats.org/officeDocument/2006/relationships" xmlns:p="http://schemas.openxmlformats.org/presentationml/2006/main" saveSubsetFonts="1">
   <p:sldMasterIdLst>
-    <p:sldMasterId id="2147483660" r:id="rId1"/>
+    <p:sldMasterId id="2147483684" r:id="rId1"/>
   </p:sldMasterIdLst>
   <p:sldIdLst>
     <p:sldId id="256" r:id="rId2"/>
@@ -18,7 +18,7 @@
     <a:defPPr>
       <a:defRPr lang="en-US"/>
     </a:defPPr>
-    <a:lvl1pPr marL="0" algn="l" defTabSz="914400" rtl="0" eaLnBrk="1" latinLnBrk="0" hangingPunct="1">
+    <a:lvl1pPr marL="0" algn="l" defTabSz="457200" rtl="0" eaLnBrk="1" latinLnBrk="0" hangingPunct="1">
       <a:defRPr sz="1800" kern="1200">
         <a:solidFill>
           <a:schemeClr val="tx1"/>
@@ -28,7 +28,7 @@
         <a:cs typeface="+mn-cs"/>
       </a:defRPr>
     </a:lvl1pPr>
-    <a:lvl2pPr marL="457200" algn="l" defTabSz="914400" rtl="0" eaLnBrk="1" latinLnBrk="0" hangingPunct="1">
+    <a:lvl2pPr marL="457200" algn="l" defTabSz="457200" rtl="0" eaLnBrk="1" latinLnBrk="0" hangingPunct="1">
       <a:defRPr sz="1800" kern="1200">
         <a:solidFill>
           <a:schemeClr val="tx1"/>
@@ -38,7 +38,7 @@
         <a:cs typeface="+mn-cs"/>
       </a:defRPr>
     </a:lvl2pPr>
-    <a:lvl3pPr marL="914400" algn="l" defTabSz="914400" rtl="0" eaLnBrk="1" latinLnBrk="0" hangingPunct="1">
+    <a:lvl3pPr marL="914400" algn="l" defTabSz="457200" rtl="0" eaLnBrk="1" latinLnBrk="0" hangingPunct="1">
       <a:defRPr sz="1800" kern="1200">
         <a:solidFill>
           <a:schemeClr val="tx1"/>
@@ -48,7 +48,7 @@
         <a:cs typeface="+mn-cs"/>
       </a:defRPr>
     </a:lvl3pPr>
-    <a:lvl4pPr marL="1371600" algn="l" defTabSz="914400" rtl="0" eaLnBrk="1" latinLnBrk="0" hangingPunct="1">
+    <a:lvl4pPr marL="1371600" algn="l" defTabSz="457200" rtl="0" eaLnBrk="1" latinLnBrk="0" hangingPunct="1">
       <a:defRPr sz="1800" kern="1200">
         <a:solidFill>
           <a:schemeClr val="tx1"/>
@@ -58,7 +58,7 @@
         <a:cs typeface="+mn-cs"/>
       </a:defRPr>
     </a:lvl4pPr>
-    <a:lvl5pPr marL="1828800" algn="l" defTabSz="914400" rtl="0" eaLnBrk="1" latinLnBrk="0" hangingPunct="1">
+    <a:lvl5pPr marL="1828800" algn="l" defTabSz="457200" rtl="0" eaLnBrk="1" latinLnBrk="0" hangingPunct="1">
       <a:defRPr sz="1800" kern="1200">
         <a:solidFill>
           <a:schemeClr val="tx1"/>
@@ -68,7 +68,7 @@
         <a:cs typeface="+mn-cs"/>
       </a:defRPr>
     </a:lvl5pPr>
-    <a:lvl6pPr marL="2286000" algn="l" defTabSz="914400" rtl="0" eaLnBrk="1" latinLnBrk="0" hangingPunct="1">
+    <a:lvl6pPr marL="2286000" algn="l" defTabSz="457200" rtl="0" eaLnBrk="1" latinLnBrk="0" hangingPunct="1">
       <a:defRPr sz="1800" kern="1200">
         <a:solidFill>
           <a:schemeClr val="tx1"/>
@@ -78,7 +78,7 @@
         <a:cs typeface="+mn-cs"/>
       </a:defRPr>
     </a:lvl6pPr>
-    <a:lvl7pPr marL="2743200" algn="l" defTabSz="914400" rtl="0" eaLnBrk="1" latinLnBrk="0" hangingPunct="1">
+    <a:lvl7pPr marL="2743200" algn="l" defTabSz="457200" rtl="0" eaLnBrk="1" latinLnBrk="0" hangingPunct="1">
       <a:defRPr sz="1800" kern="1200">
         <a:solidFill>
           <a:schemeClr val="tx1"/>
@@ -88,7 +88,7 @@
         <a:cs typeface="+mn-cs"/>
       </a:defRPr>
     </a:lvl7pPr>
-    <a:lvl8pPr marL="3200400" algn="l" defTabSz="914400" rtl="0" eaLnBrk="1" latinLnBrk="0" hangingPunct="1">
+    <a:lvl8pPr marL="3200400" algn="l" defTabSz="457200" rtl="0" eaLnBrk="1" latinLnBrk="0" hangingPunct="1">
       <a:defRPr sz="1800" kern="1200">
         <a:solidFill>
           <a:schemeClr val="tx1"/>
@@ -98,7 +98,7 @@
         <a:cs typeface="+mn-cs"/>
       </a:defRPr>
     </a:lvl8pPr>
-    <a:lvl9pPr marL="3657600" algn="l" defTabSz="914400" rtl="0" eaLnBrk="1" latinLnBrk="0" hangingPunct="1">
+    <a:lvl9pPr marL="3657600" algn="l" defTabSz="457200" rtl="0" eaLnBrk="1" latinLnBrk="0" hangingPunct="1">
       <a:defRPr sz="1800" kern="1200">
         <a:solidFill>
           <a:schemeClr val="tx1"/>
@@ -120,13 +120,200 @@
 <file path=ppt/revisionInfo.xml><?xml version="1.0" encoding="utf-8"?>
 <p1510:revInfo xmlns:a="http://schemas.openxmlformats.org/drawingml/2006/main" xmlns:r="http://schemas.openxmlformats.org/officeDocument/2006/relationships" xmlns:p1510="http://schemas.microsoft.com/office/powerpoint/2015/10/main">
   <p1510:revLst>
-    <p1510:client id="{FE5DAFC0-F6B8-44F2-9562-E3B296E9E84C}" v="204" dt="2023-03-17T16:25:14.620"/>
+    <p1510:client id="{A0C05138-4A77-42B6-8913-07534AFA3527}" v="85" dt="2023-03-24T14:40:36.939"/>
   </p1510:revLst>
 </p1510:revInfo>
 </file>
 
 <file path=ppt/changesInfos/changesInfo1.xml><?xml version="1.0" encoding="utf-8"?>
 <pc:chgInfo xmlns:a="http://schemas.openxmlformats.org/drawingml/2006/main" xmlns:r="http://schemas.openxmlformats.org/officeDocument/2006/relationships" xmlns:ac="http://schemas.microsoft.com/office/drawing/2013/main/command" xmlns:pc="http://schemas.microsoft.com/office/powerpoint/2013/main/command">
+  <pc:docChgLst>
+    <pc:chgData name="tim.wyckaert@hotmail.com" userId="821074b66e75ec84" providerId="LiveId" clId="{A0C05138-4A77-42B6-8913-07534AFA3527}"/>
+    <pc:docChg chg="custSel modSld">
+      <pc:chgData name="tim.wyckaert@hotmail.com" userId="821074b66e75ec84" providerId="LiveId" clId="{A0C05138-4A77-42B6-8913-07534AFA3527}" dt="2023-03-24T14:40:36.939" v="88" actId="20577"/>
+      <pc:docMkLst>
+        <pc:docMk/>
+      </pc:docMkLst>
+      <pc:sldChg chg="delSp modSp mod modAnim delDesignElem">
+        <pc:chgData name="tim.wyckaert@hotmail.com" userId="821074b66e75ec84" providerId="LiveId" clId="{A0C05138-4A77-42B6-8913-07534AFA3527}" dt="2023-03-24T14:40:36.939" v="88" actId="20577"/>
+        <pc:sldMkLst>
+          <pc:docMk/>
+          <pc:sldMk cId="109857222" sldId="256"/>
+        </pc:sldMkLst>
+        <pc:spChg chg="mod">
+          <ac:chgData name="tim.wyckaert@hotmail.com" userId="821074b66e75ec84" providerId="LiveId" clId="{A0C05138-4A77-42B6-8913-07534AFA3527}" dt="2023-03-24T14:40:29.047" v="40" actId="20577"/>
+          <ac:spMkLst>
+            <pc:docMk/>
+            <pc:sldMk cId="109857222" sldId="256"/>
+            <ac:spMk id="2" creationId="{00000000-0000-0000-0000-000000000000}"/>
+          </ac:spMkLst>
+        </pc:spChg>
+        <pc:spChg chg="mod">
+          <ac:chgData name="tim.wyckaert@hotmail.com" userId="821074b66e75ec84" providerId="LiveId" clId="{A0C05138-4A77-42B6-8913-07534AFA3527}" dt="2023-03-24T14:40:36.939" v="88" actId="20577"/>
+          <ac:spMkLst>
+            <pc:docMk/>
+            <pc:sldMk cId="109857222" sldId="256"/>
+            <ac:spMk id="3" creationId="{00000000-0000-0000-0000-000000000000}"/>
+          </ac:spMkLst>
+        </pc:spChg>
+        <pc:spChg chg="del">
+          <ac:chgData name="tim.wyckaert@hotmail.com" userId="821074b66e75ec84" providerId="LiveId" clId="{A0C05138-4A77-42B6-8913-07534AFA3527}" dt="2023-03-24T14:38:03.084" v="5" actId="21"/>
+          <ac:spMkLst>
+            <pc:docMk/>
+            <pc:sldMk cId="109857222" sldId="256"/>
+            <ac:spMk id="6" creationId="{F976AA56-F31A-548E-D6DC-F0BBC1AB0F72}"/>
+          </ac:spMkLst>
+        </pc:spChg>
+        <pc:spChg chg="del">
+          <ac:chgData name="tim.wyckaert@hotmail.com" userId="821074b66e75ec84" providerId="LiveId" clId="{A0C05138-4A77-42B6-8913-07534AFA3527}" dt="2023-03-24T14:37:22.638" v="1"/>
+          <ac:spMkLst>
+            <pc:docMk/>
+            <pc:sldMk cId="109857222" sldId="256"/>
+            <ac:spMk id="16" creationId="{3A930249-8242-4E2B-AF17-C01826488321}"/>
+          </ac:spMkLst>
+        </pc:spChg>
+        <pc:spChg chg="del">
+          <ac:chgData name="tim.wyckaert@hotmail.com" userId="821074b66e75ec84" providerId="LiveId" clId="{A0C05138-4A77-42B6-8913-07534AFA3527}" dt="2023-03-24T14:37:22.638" v="1"/>
+          <ac:spMkLst>
+            <pc:docMk/>
+            <pc:sldMk cId="109857222" sldId="256"/>
+            <ac:spMk id="18" creationId="{A5BDD999-C5E1-4B3E-A710-768673819165}"/>
+          </ac:spMkLst>
+        </pc:spChg>
+        <pc:picChg chg="del">
+          <ac:chgData name="tim.wyckaert@hotmail.com" userId="821074b66e75ec84" providerId="LiveId" clId="{A0C05138-4A77-42B6-8913-07534AFA3527}" dt="2023-03-24T14:38:03.084" v="5" actId="21"/>
+          <ac:picMkLst>
+            <pc:docMk/>
+            <pc:sldMk cId="109857222" sldId="256"/>
+            <ac:picMk id="4" creationId="{C94938BB-06AF-4AFD-FEB5-AB1C9E4FD8EA}"/>
+          </ac:picMkLst>
+        </pc:picChg>
+        <pc:picChg chg="del mod">
+          <ac:chgData name="tim.wyckaert@hotmail.com" userId="821074b66e75ec84" providerId="LiveId" clId="{A0C05138-4A77-42B6-8913-07534AFA3527}" dt="2023-03-24T14:37:52.927" v="4" actId="21"/>
+          <ac:picMkLst>
+            <pc:docMk/>
+            <pc:sldMk cId="109857222" sldId="256"/>
+            <ac:picMk id="5" creationId="{D9888710-A658-F7DB-826D-CF9344E3A8F1}"/>
+          </ac:picMkLst>
+        </pc:picChg>
+      </pc:sldChg>
+      <pc:sldChg chg="modSp">
+        <pc:chgData name="tim.wyckaert@hotmail.com" userId="821074b66e75ec84" providerId="LiveId" clId="{A0C05138-4A77-42B6-8913-07534AFA3527}" dt="2023-03-24T14:37:24.292" v="2"/>
+        <pc:sldMkLst>
+          <pc:docMk/>
+          <pc:sldMk cId="3194941387" sldId="257"/>
+        </pc:sldMkLst>
+        <pc:spChg chg="mod">
+          <ac:chgData name="tim.wyckaert@hotmail.com" userId="821074b66e75ec84" providerId="LiveId" clId="{A0C05138-4A77-42B6-8913-07534AFA3527}" dt="2023-03-24T14:37:24.292" v="2"/>
+          <ac:spMkLst>
+            <pc:docMk/>
+            <pc:sldMk cId="3194941387" sldId="257"/>
+            <ac:spMk id="2" creationId="{D234DB5A-847D-971E-D8CE-2FB38F31DA22}"/>
+          </ac:spMkLst>
+        </pc:spChg>
+        <pc:spChg chg="mod">
+          <ac:chgData name="tim.wyckaert@hotmail.com" userId="821074b66e75ec84" providerId="LiveId" clId="{A0C05138-4A77-42B6-8913-07534AFA3527}" dt="2023-03-24T14:37:24.292" v="2"/>
+          <ac:spMkLst>
+            <pc:docMk/>
+            <pc:sldMk cId="3194941387" sldId="257"/>
+            <ac:spMk id="3" creationId="{923E044B-AFE6-1E04-A827-E82FA13D8B86}"/>
+          </ac:spMkLst>
+        </pc:spChg>
+      </pc:sldChg>
+      <pc:sldChg chg="modSp">
+        <pc:chgData name="tim.wyckaert@hotmail.com" userId="821074b66e75ec84" providerId="LiveId" clId="{A0C05138-4A77-42B6-8913-07534AFA3527}" dt="2023-03-24T14:37:24.292" v="2"/>
+        <pc:sldMkLst>
+          <pc:docMk/>
+          <pc:sldMk cId="2549617771" sldId="258"/>
+        </pc:sldMkLst>
+        <pc:spChg chg="mod">
+          <ac:chgData name="tim.wyckaert@hotmail.com" userId="821074b66e75ec84" providerId="LiveId" clId="{A0C05138-4A77-42B6-8913-07534AFA3527}" dt="2023-03-24T14:37:24.292" v="2"/>
+          <ac:spMkLst>
+            <pc:docMk/>
+            <pc:sldMk cId="2549617771" sldId="258"/>
+            <ac:spMk id="2" creationId="{8F8D5888-86D9-97EF-C0FE-2B54CE8CCE73}"/>
+          </ac:spMkLst>
+        </pc:spChg>
+        <pc:spChg chg="mod">
+          <ac:chgData name="tim.wyckaert@hotmail.com" userId="821074b66e75ec84" providerId="LiveId" clId="{A0C05138-4A77-42B6-8913-07534AFA3527}" dt="2023-03-24T14:37:24.292" v="2"/>
+          <ac:spMkLst>
+            <pc:docMk/>
+            <pc:sldMk cId="2549617771" sldId="258"/>
+            <ac:spMk id="3" creationId="{57E1FEEB-C7B4-A9DF-5B6B-75CFEBF2E873}"/>
+          </ac:spMkLst>
+        </pc:spChg>
+      </pc:sldChg>
+      <pc:sldChg chg="modSp">
+        <pc:chgData name="tim.wyckaert@hotmail.com" userId="821074b66e75ec84" providerId="LiveId" clId="{A0C05138-4A77-42B6-8913-07534AFA3527}" dt="2023-03-24T14:37:24.292" v="2"/>
+        <pc:sldMkLst>
+          <pc:docMk/>
+          <pc:sldMk cId="2245993643" sldId="259"/>
+        </pc:sldMkLst>
+        <pc:spChg chg="mod">
+          <ac:chgData name="tim.wyckaert@hotmail.com" userId="821074b66e75ec84" providerId="LiveId" clId="{A0C05138-4A77-42B6-8913-07534AFA3527}" dt="2023-03-24T14:37:24.292" v="2"/>
+          <ac:spMkLst>
+            <pc:docMk/>
+            <pc:sldMk cId="2245993643" sldId="259"/>
+            <ac:spMk id="2" creationId="{0367475B-39BD-0A19-A188-861EAED72349}"/>
+          </ac:spMkLst>
+        </pc:spChg>
+        <pc:spChg chg="mod">
+          <ac:chgData name="tim.wyckaert@hotmail.com" userId="821074b66e75ec84" providerId="LiveId" clId="{A0C05138-4A77-42B6-8913-07534AFA3527}" dt="2023-03-24T14:37:24.292" v="2"/>
+          <ac:spMkLst>
+            <pc:docMk/>
+            <pc:sldMk cId="2245993643" sldId="259"/>
+            <ac:spMk id="3" creationId="{0E9E0DD1-3D1E-39FC-00D0-1C8C6CCB4182}"/>
+          </ac:spMkLst>
+        </pc:spChg>
+      </pc:sldChg>
+      <pc:sldChg chg="modSp">
+        <pc:chgData name="tim.wyckaert@hotmail.com" userId="821074b66e75ec84" providerId="LiveId" clId="{A0C05138-4A77-42B6-8913-07534AFA3527}" dt="2023-03-24T14:37:24.292" v="2"/>
+        <pc:sldMkLst>
+          <pc:docMk/>
+          <pc:sldMk cId="4043861593" sldId="260"/>
+        </pc:sldMkLst>
+        <pc:spChg chg="mod">
+          <ac:chgData name="tim.wyckaert@hotmail.com" userId="821074b66e75ec84" providerId="LiveId" clId="{A0C05138-4A77-42B6-8913-07534AFA3527}" dt="2023-03-24T14:37:24.292" v="2"/>
+          <ac:spMkLst>
+            <pc:docMk/>
+            <pc:sldMk cId="4043861593" sldId="260"/>
+            <ac:spMk id="2" creationId="{16B347EB-FFAC-D8CF-F9EE-A446357E12B1}"/>
+          </ac:spMkLst>
+        </pc:spChg>
+        <pc:spChg chg="mod">
+          <ac:chgData name="tim.wyckaert@hotmail.com" userId="821074b66e75ec84" providerId="LiveId" clId="{A0C05138-4A77-42B6-8913-07534AFA3527}" dt="2023-03-24T14:37:24.292" v="2"/>
+          <ac:spMkLst>
+            <pc:docMk/>
+            <pc:sldMk cId="4043861593" sldId="260"/>
+            <ac:spMk id="3" creationId="{69D226B1-5D45-0687-9C8A-A469C6DD96EC}"/>
+          </ac:spMkLst>
+        </pc:spChg>
+      </pc:sldChg>
+      <pc:sldChg chg="modSp">
+        <pc:chgData name="tim.wyckaert@hotmail.com" userId="821074b66e75ec84" providerId="LiveId" clId="{A0C05138-4A77-42B6-8913-07534AFA3527}" dt="2023-03-24T14:37:24.292" v="2"/>
+        <pc:sldMkLst>
+          <pc:docMk/>
+          <pc:sldMk cId="1229227539" sldId="261"/>
+        </pc:sldMkLst>
+        <pc:spChg chg="mod">
+          <ac:chgData name="tim.wyckaert@hotmail.com" userId="821074b66e75ec84" providerId="LiveId" clId="{A0C05138-4A77-42B6-8913-07534AFA3527}" dt="2023-03-24T14:37:24.292" v="2"/>
+          <ac:spMkLst>
+            <pc:docMk/>
+            <pc:sldMk cId="1229227539" sldId="261"/>
+            <ac:spMk id="2" creationId="{C048B380-B4AC-BCDA-F424-9A807DA3A54F}"/>
+          </ac:spMkLst>
+        </pc:spChg>
+        <pc:spChg chg="mod">
+          <ac:chgData name="tim.wyckaert@hotmail.com" userId="821074b66e75ec84" providerId="LiveId" clId="{A0C05138-4A77-42B6-8913-07534AFA3527}" dt="2023-03-24T14:37:24.292" v="2"/>
+          <ac:spMkLst>
+            <pc:docMk/>
+            <pc:sldMk cId="1229227539" sldId="261"/>
+            <ac:spMk id="3" creationId="{71BA2BF6-FA7E-BC75-6E26-2D788E17C309}"/>
+          </ac:spMkLst>
+        </pc:spChg>
+      </pc:sldChg>
+    </pc:docChg>
+  </pc:docChgLst>
   <pc:docChgLst>
     <pc:chgData name="Carlo Matvij" userId="S::carlo.matvij@student.kuleuven.be::a0106919-2133-4770-93c5-79fa1a5a293d" providerId="AD" clId="Web-{FE5DAFC0-F6B8-44F2-9562-E3B296E9E84C}"/>
     <pc:docChg chg="addSld modSld">
@@ -464,7 +651,7 @@
           <a:p>
             <a:fld id="{846CE7D5-CF57-46EF-B807-FDD0502418D4}" type="datetimeFigureOut">
               <a:rPr lang="en-US" smtClean="0"/>
-              <a:t>3/17/2023</a:t>
+              <a:t>3/24/2023</a:t>
             </a:fld>
             <a:endParaRPr lang="en-US"/>
           </a:p>
@@ -515,7 +702,7 @@
     </p:spTree>
     <p:extLst>
       <p:ext uri="{BB962C8B-B14F-4D97-AF65-F5344CB8AC3E}">
-        <p14:creationId xmlns:p14="http://schemas.microsoft.com/office/powerpoint/2010/main" val="2385387890"/>
+        <p14:creationId xmlns:p14="http://schemas.microsoft.com/office/powerpoint/2010/main" val="1248346762"/>
       </p:ext>
     </p:extLst>
   </p:cSld>
@@ -634,7 +821,7 @@
           <a:p>
             <a:fld id="{846CE7D5-CF57-46EF-B807-FDD0502418D4}" type="datetimeFigureOut">
               <a:rPr lang="en-US" smtClean="0"/>
-              <a:t>3/17/2023</a:t>
+              <a:t>3/24/2023</a:t>
             </a:fld>
             <a:endParaRPr lang="en-US"/>
           </a:p>
@@ -685,7 +872,7 @@
     </p:spTree>
     <p:extLst>
       <p:ext uri="{BB962C8B-B14F-4D97-AF65-F5344CB8AC3E}">
-        <p14:creationId xmlns:p14="http://schemas.microsoft.com/office/powerpoint/2010/main" val="2202905451"/>
+        <p14:creationId xmlns:p14="http://schemas.microsoft.com/office/powerpoint/2010/main" val="3018493776"/>
       </p:ext>
     </p:extLst>
   </p:cSld>
@@ -814,7 +1001,7 @@
           <a:p>
             <a:fld id="{846CE7D5-CF57-46EF-B807-FDD0502418D4}" type="datetimeFigureOut">
               <a:rPr lang="en-US" smtClean="0"/>
-              <a:t>3/17/2023</a:t>
+              <a:t>3/24/2023</a:t>
             </a:fld>
             <a:endParaRPr lang="en-US"/>
           </a:p>
@@ -865,7 +1052,7 @@
     </p:spTree>
     <p:extLst>
       <p:ext uri="{BB962C8B-B14F-4D97-AF65-F5344CB8AC3E}">
-        <p14:creationId xmlns:p14="http://schemas.microsoft.com/office/powerpoint/2010/main" val="3479445657"/>
+        <p14:creationId xmlns:p14="http://schemas.microsoft.com/office/powerpoint/2010/main" val="1622718763"/>
       </p:ext>
     </p:extLst>
   </p:cSld>
@@ -984,7 +1171,7 @@
           <a:p>
             <a:fld id="{846CE7D5-CF57-46EF-B807-FDD0502418D4}" type="datetimeFigureOut">
               <a:rPr lang="en-US" smtClean="0"/>
-              <a:t>3/17/2023</a:t>
+              <a:t>3/24/2023</a:t>
             </a:fld>
             <a:endParaRPr lang="en-US"/>
           </a:p>
@@ -1035,7 +1222,7 @@
     </p:spTree>
     <p:extLst>
       <p:ext uri="{BB962C8B-B14F-4D97-AF65-F5344CB8AC3E}">
-        <p14:creationId xmlns:p14="http://schemas.microsoft.com/office/powerpoint/2010/main" val="949138452"/>
+        <p14:creationId xmlns:p14="http://schemas.microsoft.com/office/powerpoint/2010/main" val="610300019"/>
       </p:ext>
     </p:extLst>
   </p:cSld>
@@ -1230,7 +1417,7 @@
           <a:p>
             <a:fld id="{846CE7D5-CF57-46EF-B807-FDD0502418D4}" type="datetimeFigureOut">
               <a:rPr lang="en-US" smtClean="0"/>
-              <a:t>3/17/2023</a:t>
+              <a:t>3/24/2023</a:t>
             </a:fld>
             <a:endParaRPr lang="en-US"/>
           </a:p>
@@ -1281,7 +1468,7 @@
     </p:spTree>
     <p:extLst>
       <p:ext uri="{BB962C8B-B14F-4D97-AF65-F5344CB8AC3E}">
-        <p14:creationId xmlns:p14="http://schemas.microsoft.com/office/powerpoint/2010/main" val="2591524520"/>
+        <p14:creationId xmlns:p14="http://schemas.microsoft.com/office/powerpoint/2010/main" val="3419293799"/>
       </p:ext>
     </p:extLst>
   </p:cSld>
@@ -1462,7 +1649,7 @@
           <a:p>
             <a:fld id="{846CE7D5-CF57-46EF-B807-FDD0502418D4}" type="datetimeFigureOut">
               <a:rPr lang="en-US" smtClean="0"/>
-              <a:t>3/17/2023</a:t>
+              <a:t>3/24/2023</a:t>
             </a:fld>
             <a:endParaRPr lang="en-US"/>
           </a:p>
@@ -1513,7 +1700,7 @@
     </p:spTree>
     <p:extLst>
       <p:ext uri="{BB962C8B-B14F-4D97-AF65-F5344CB8AC3E}">
-        <p14:creationId xmlns:p14="http://schemas.microsoft.com/office/powerpoint/2010/main" val="1203092039"/>
+        <p14:creationId xmlns:p14="http://schemas.microsoft.com/office/powerpoint/2010/main" val="2387008354"/>
       </p:ext>
     </p:extLst>
   </p:cSld>
@@ -1829,7 +2016,7 @@
           <a:p>
             <a:fld id="{846CE7D5-CF57-46EF-B807-FDD0502418D4}" type="datetimeFigureOut">
               <a:rPr lang="en-US" smtClean="0"/>
-              <a:t>3/17/2023</a:t>
+              <a:t>3/24/2023</a:t>
             </a:fld>
             <a:endParaRPr lang="en-US"/>
           </a:p>
@@ -1880,7 +2067,7 @@
     </p:spTree>
     <p:extLst>
       <p:ext uri="{BB962C8B-B14F-4D97-AF65-F5344CB8AC3E}">
-        <p14:creationId xmlns:p14="http://schemas.microsoft.com/office/powerpoint/2010/main" val="3733172339"/>
+        <p14:creationId xmlns:p14="http://schemas.microsoft.com/office/powerpoint/2010/main" val="1241461033"/>
       </p:ext>
     </p:extLst>
   </p:cSld>
@@ -1947,7 +2134,7 @@
           <a:p>
             <a:fld id="{846CE7D5-CF57-46EF-B807-FDD0502418D4}" type="datetimeFigureOut">
               <a:rPr lang="en-US" smtClean="0"/>
-              <a:t>3/17/2023</a:t>
+              <a:t>3/24/2023</a:t>
             </a:fld>
             <a:endParaRPr lang="en-US"/>
           </a:p>
@@ -1998,7 +2185,7 @@
     </p:spTree>
     <p:extLst>
       <p:ext uri="{BB962C8B-B14F-4D97-AF65-F5344CB8AC3E}">
-        <p14:creationId xmlns:p14="http://schemas.microsoft.com/office/powerpoint/2010/main" val="3210312558"/>
+        <p14:creationId xmlns:p14="http://schemas.microsoft.com/office/powerpoint/2010/main" val="725641993"/>
       </p:ext>
     </p:extLst>
   </p:cSld>
@@ -2042,7 +2229,7 @@
           <a:p>
             <a:fld id="{846CE7D5-CF57-46EF-B807-FDD0502418D4}" type="datetimeFigureOut">
               <a:rPr lang="en-US" smtClean="0"/>
-              <a:t>3/17/2023</a:t>
+              <a:t>3/24/2023</a:t>
             </a:fld>
             <a:endParaRPr lang="en-US"/>
           </a:p>
@@ -2093,7 +2280,7 @@
     </p:spTree>
     <p:extLst>
       <p:ext uri="{BB962C8B-B14F-4D97-AF65-F5344CB8AC3E}">
-        <p14:creationId xmlns:p14="http://schemas.microsoft.com/office/powerpoint/2010/main" val="3146388984"/>
+        <p14:creationId xmlns:p14="http://schemas.microsoft.com/office/powerpoint/2010/main" val="2926595205"/>
       </p:ext>
     </p:extLst>
   </p:cSld>
@@ -2319,7 +2506,7 @@
           <a:p>
             <a:fld id="{846CE7D5-CF57-46EF-B807-FDD0502418D4}" type="datetimeFigureOut">
               <a:rPr lang="en-US" smtClean="0"/>
-              <a:t>3/17/2023</a:t>
+              <a:t>3/24/2023</a:t>
             </a:fld>
             <a:endParaRPr lang="en-US"/>
           </a:p>
@@ -2370,7 +2557,7 @@
     </p:spTree>
     <p:extLst>
       <p:ext uri="{BB962C8B-B14F-4D97-AF65-F5344CB8AC3E}">
-        <p14:creationId xmlns:p14="http://schemas.microsoft.com/office/powerpoint/2010/main" val="3171841454"/>
+        <p14:creationId xmlns:p14="http://schemas.microsoft.com/office/powerpoint/2010/main" val="2789513543"/>
       </p:ext>
     </p:extLst>
   </p:cSld>
@@ -2576,7 +2763,7 @@
           <a:p>
             <a:fld id="{846CE7D5-CF57-46EF-B807-FDD0502418D4}" type="datetimeFigureOut">
               <a:rPr lang="en-US" smtClean="0"/>
-              <a:t>3/17/2023</a:t>
+              <a:t>3/24/2023</a:t>
             </a:fld>
             <a:endParaRPr lang="en-US"/>
           </a:p>
@@ -2627,7 +2814,7 @@
     </p:spTree>
     <p:extLst>
       <p:ext uri="{BB962C8B-B14F-4D97-AF65-F5344CB8AC3E}">
-        <p14:creationId xmlns:p14="http://schemas.microsoft.com/office/powerpoint/2010/main" val="1718958274"/>
+        <p14:creationId xmlns:p14="http://schemas.microsoft.com/office/powerpoint/2010/main" val="2349504459"/>
       </p:ext>
     </p:extLst>
   </p:cSld>
@@ -2789,7 +2976,7 @@
           <a:p>
             <a:fld id="{846CE7D5-CF57-46EF-B807-FDD0502418D4}" type="datetimeFigureOut">
               <a:rPr lang="en-US" smtClean="0"/>
-              <a:t>3/17/2023</a:t>
+              <a:t>3/24/2023</a:t>
             </a:fld>
             <a:endParaRPr lang="en-US"/>
           </a:p>
@@ -2876,23 +3063,23 @@
     </p:spTree>
     <p:extLst>
       <p:ext uri="{BB962C8B-B14F-4D97-AF65-F5344CB8AC3E}">
-        <p14:creationId xmlns:p14="http://schemas.microsoft.com/office/powerpoint/2010/main" val="2460954070"/>
+        <p14:creationId xmlns:p14="http://schemas.microsoft.com/office/powerpoint/2010/main" val="3726361341"/>
       </p:ext>
     </p:extLst>
   </p:cSld>
   <p:clrMap bg1="lt1" tx1="dk1" bg2="lt2" tx2="dk2" accent1="accent1" accent2="accent2" accent3="accent3" accent4="accent4" accent5="accent5" accent6="accent6" hlink="hlink" folHlink="folHlink"/>
   <p:sldLayoutIdLst>
-    <p:sldLayoutId id="2147483661" r:id="rId1"/>
-    <p:sldLayoutId id="2147483662" r:id="rId2"/>
-    <p:sldLayoutId id="2147483663" r:id="rId3"/>
-    <p:sldLayoutId id="2147483664" r:id="rId4"/>
-    <p:sldLayoutId id="2147483665" r:id="rId5"/>
-    <p:sldLayoutId id="2147483666" r:id="rId6"/>
-    <p:sldLayoutId id="2147483667" r:id="rId7"/>
-    <p:sldLayoutId id="2147483668" r:id="rId8"/>
-    <p:sldLayoutId id="2147483669" r:id="rId9"/>
-    <p:sldLayoutId id="2147483670" r:id="rId10"/>
-    <p:sldLayoutId id="2147483671" r:id="rId11"/>
+    <p:sldLayoutId id="2147483685" r:id="rId1"/>
+    <p:sldLayoutId id="2147483686" r:id="rId2"/>
+    <p:sldLayoutId id="2147483687" r:id="rId3"/>
+    <p:sldLayoutId id="2147483688" r:id="rId4"/>
+    <p:sldLayoutId id="2147483689" r:id="rId5"/>
+    <p:sldLayoutId id="2147483690" r:id="rId6"/>
+    <p:sldLayoutId id="2147483691" r:id="rId7"/>
+    <p:sldLayoutId id="2147483692" r:id="rId8"/>
+    <p:sldLayoutId id="2147483693" r:id="rId9"/>
+    <p:sldLayoutId id="2147483694" r:id="rId10"/>
+    <p:sldLayoutId id="2147483695" r:id="rId11"/>
   </p:sldLayoutIdLst>
   <p:txStyles>
     <p:titleStyle>
@@ -3202,200 +3389,6 @@
           <a:chExt cx="0" cy="0"/>
         </a:xfrm>
       </p:grpSpPr>
-      <p:sp useBgFill="1">
-        <p:nvSpPr>
-          <p:cNvPr id="16" name="Rectangle 15">
-            <a:extLst>
-              <a:ext uri="{FF2B5EF4-FFF2-40B4-BE49-F238E27FC236}">
-                <a16:creationId xmlns:a16="http://schemas.microsoft.com/office/drawing/2014/main" id="{3A930249-8242-4E2B-AF17-C01826488321}"/>
-              </a:ext>
-              <a:ext uri="{C183D7F6-B498-43B3-948B-1728B52AA6E4}">
-                <adec:decorative xmlns:adec="http://schemas.microsoft.com/office/drawing/2017/decorative" val="1"/>
-              </a:ext>
-            </a:extLst>
-          </p:cNvPr>
-          <p:cNvSpPr>
-            <a:spLocks noGrp="1" noRot="1" noChangeAspect="1" noMove="1" noResize="1" noEditPoints="1" noAdjustHandles="1" noChangeArrowheads="1" noChangeShapeType="1" noTextEdit="1"/>
-          </p:cNvSpPr>
-          <p:nvPr>
-            <p:extLst>
-              <p:ext uri="{386F3935-93C4-4BCD-93E2-E3B085C9AB24}">
-                <p16:designElem xmlns:p16="http://schemas.microsoft.com/office/powerpoint/2015/main" val="1"/>
-              </p:ext>
-            </p:extLst>
-          </p:nvPr>
-        </p:nvSpPr>
-        <p:spPr>
-          <a:xfrm>
-            <a:off x="-1" y="0"/>
-            <a:ext cx="12188952" cy="6858000"/>
-          </a:xfrm>
-          <a:prstGeom prst="rect">
-            <a:avLst/>
-          </a:prstGeom>
-          <a:ln>
-            <a:noFill/>
-          </a:ln>
-        </p:spPr>
-        <p:style>
-          <a:lnRef idx="2">
-            <a:schemeClr val="accent1">
-              <a:shade val="50000"/>
-            </a:schemeClr>
-          </a:lnRef>
-          <a:fillRef idx="1">
-            <a:schemeClr val="accent1"/>
-          </a:fillRef>
-          <a:effectRef idx="0">
-            <a:schemeClr val="accent1"/>
-          </a:effectRef>
-          <a:fontRef idx="minor">
-            <a:schemeClr val="lt1"/>
-          </a:fontRef>
-        </p:style>
-        <p:txBody>
-          <a:bodyPr rtlCol="0" anchor="ctr"/>
-          <a:lstStyle/>
-          <a:p>
-            <a:pPr algn="ctr"/>
-            <a:endParaRPr lang="en-US"/>
-          </a:p>
-        </p:txBody>
-      </p:sp>
-      <p:sp>
-        <p:nvSpPr>
-          <p:cNvPr id="18" name="Rectangle 17">
-            <a:extLst>
-              <a:ext uri="{FF2B5EF4-FFF2-40B4-BE49-F238E27FC236}">
-                <a16:creationId xmlns:a16="http://schemas.microsoft.com/office/drawing/2014/main" id="{A5BDD999-C5E1-4B3E-A710-768673819165}"/>
-              </a:ext>
-              <a:ext uri="{C183D7F6-B498-43B3-948B-1728B52AA6E4}">
-                <adec:decorative xmlns:adec="http://schemas.microsoft.com/office/drawing/2017/decorative" val="1"/>
-              </a:ext>
-            </a:extLst>
-          </p:cNvPr>
-          <p:cNvSpPr>
-            <a:spLocks noGrp="1" noRot="1" noChangeAspect="1" noMove="1" noResize="1" noEditPoints="1" noAdjustHandles="1" noChangeArrowheads="1" noChangeShapeType="1" noTextEdit="1"/>
-          </p:cNvSpPr>
-          <p:nvPr>
-            <p:extLst>
-              <p:ext uri="{386F3935-93C4-4BCD-93E2-E3B085C9AB24}">
-                <p16:designElem xmlns:p16="http://schemas.microsoft.com/office/powerpoint/2015/main" val="1"/>
-              </p:ext>
-            </p:extLst>
-          </p:nvPr>
-        </p:nvSpPr>
-        <p:spPr>
-          <a:xfrm>
-            <a:off x="0" y="0"/>
-            <a:ext cx="12192000" cy="6858000"/>
-          </a:xfrm>
-          <a:prstGeom prst="rect">
-            <a:avLst/>
-          </a:prstGeom>
-          <a:solidFill>
-            <a:srgbClr val="FFFFFF"/>
-          </a:solidFill>
-          <a:ln>
-            <a:noFill/>
-          </a:ln>
-        </p:spPr>
-        <p:style>
-          <a:lnRef idx="2">
-            <a:schemeClr val="accent1">
-              <a:shade val="50000"/>
-            </a:schemeClr>
-          </a:lnRef>
-          <a:fillRef idx="1">
-            <a:schemeClr val="accent1"/>
-          </a:fillRef>
-          <a:effectRef idx="0">
-            <a:schemeClr val="accent1"/>
-          </a:effectRef>
-          <a:fontRef idx="minor">
-            <a:schemeClr val="lt1"/>
-          </a:fontRef>
-        </p:style>
-        <p:txBody>
-          <a:bodyPr rtlCol="0" anchor="ctr"/>
-          <a:lstStyle/>
-          <a:p>
-            <a:pPr algn="ctr"/>
-            <a:endParaRPr lang="en-US">
-              <a:solidFill>
-                <a:srgbClr val="000000"/>
-              </a:solidFill>
-            </a:endParaRPr>
-          </a:p>
-        </p:txBody>
-      </p:sp>
-      <p:pic>
-        <p:nvPicPr>
-          <p:cNvPr id="4" name="Picture 5" descr="A picture containing blue, tool&#10;&#10;Description automatically generated">
-            <a:extLst>
-              <a:ext uri="{FF2B5EF4-FFF2-40B4-BE49-F238E27FC236}">
-                <a16:creationId xmlns:a16="http://schemas.microsoft.com/office/drawing/2014/main" id="{C94938BB-06AF-4AFD-FEB5-AB1C9E4FD8EA}"/>
-              </a:ext>
-            </a:extLst>
-          </p:cNvPr>
-          <p:cNvPicPr>
-            <a:picLocks noChangeAspect="1"/>
-          </p:cNvPicPr>
-          <p:nvPr/>
-        </p:nvPicPr>
-        <p:blipFill rotWithShape="1">
-          <a:blip r:embed="rId2">
-            <a:alphaModFix amt="80000"/>
-            <a:extLst>
-              <a:ext uri="{837473B0-CC2E-450A-ABE3-18F120FF3D39}">
-                <a1611:picAttrSrcUrl xmlns:a1611="http://schemas.microsoft.com/office/drawing/2016/11/main" r:id="rId3"/>
-              </a:ext>
-            </a:extLst>
-          </a:blip>
-          <a:srcRect l="4155" r="6911"/>
-          <a:stretch/>
-        </p:blipFill>
-        <p:spPr>
-          <a:xfrm>
-            <a:off x="-4084" y="10"/>
-            <a:ext cx="6099050" cy="6857990"/>
-          </a:xfrm>
-          <a:prstGeom prst="rect">
-            <a:avLst/>
-          </a:prstGeom>
-        </p:spPr>
-      </p:pic>
-      <p:pic>
-        <p:nvPicPr>
-          <p:cNvPr id="5" name="Picture 4">
-            <a:extLst>
-              <a:ext uri="{FF2B5EF4-FFF2-40B4-BE49-F238E27FC236}">
-                <a16:creationId xmlns:a16="http://schemas.microsoft.com/office/drawing/2014/main" id="{D9888710-A658-F7DB-826D-CF9344E3A8F1}"/>
-              </a:ext>
-            </a:extLst>
-          </p:cNvPr>
-          <p:cNvPicPr>
-            <a:picLocks noChangeAspect="1"/>
-          </p:cNvPicPr>
-          <p:nvPr/>
-        </p:nvPicPr>
-        <p:blipFill rotWithShape="1">
-          <a:blip r:embed="rId4">
-            <a:alphaModFix amt="80000"/>
-          </a:blip>
-          <a:srcRect l="2523" r="8601"/>
-          <a:stretch/>
-        </p:blipFill>
-        <p:spPr>
-          <a:xfrm>
-            <a:off x="6096844" y="10"/>
-            <a:ext cx="6095156" cy="6857990"/>
-          </a:xfrm>
-          <a:prstGeom prst="rect">
-            <a:avLst/>
-          </a:prstGeom>
-        </p:spPr>
-      </p:pic>
       <p:sp>
         <p:nvSpPr>
           <p:cNvPr id="2" name="Title 1"/>
@@ -3419,15 +3412,15 @@
           <a:lstStyle/>
           <a:p>
             <a:r>
-              <a:rPr lang="en-US" sz="5200">
+              <a:rPr lang="en-US" sz="5200" dirty="0" err="1">
                 <a:solidFill>
                   <a:srgbClr val="000000"/>
                 </a:solidFill>
                 <a:cs typeface="Calibri Light"/>
               </a:rPr>
-              <a:t>GOOD BOMBA DUMPY PUMP</a:t>
-            </a:r>
-            <a:endParaRPr lang="en-US" sz="5200">
+              <a:t>Fredje</a:t>
+            </a:r>
+            <a:endParaRPr lang="en-US" sz="5200" dirty="0">
               <a:solidFill>
                 <a:srgbClr val="000000"/>
               </a:solidFill>
@@ -3457,104 +3450,11 @@
           </a:bodyPr>
           <a:lstStyle/>
           <a:p>
-            <a:r>
-              <a:rPr lang="en-US">
-                <a:solidFill>
-                  <a:srgbClr val="000000"/>
-                </a:solidFill>
-                <a:cs typeface="Calibri"/>
-              </a:rPr>
-              <a:t>Alles wat je moet weten over de bomby dumpy pump</a:t>
-            </a:r>
-            <a:endParaRPr lang="en-US">
+            <a:endParaRPr lang="en-US" dirty="0">
               <a:solidFill>
                 <a:srgbClr val="000000"/>
               </a:solidFill>
             </a:endParaRPr>
-          </a:p>
-        </p:txBody>
-      </p:sp>
-      <p:sp>
-        <p:nvSpPr>
-          <p:cNvPr id="6" name="TextBox 5">
-            <a:extLst>
-              <a:ext uri="{FF2B5EF4-FFF2-40B4-BE49-F238E27FC236}">
-                <a16:creationId xmlns:a16="http://schemas.microsoft.com/office/drawing/2014/main" id="{F976AA56-F31A-548E-D6DC-F0BBC1AB0F72}"/>
-              </a:ext>
-            </a:extLst>
-          </p:cNvPr>
-          <p:cNvSpPr txBox="1"/>
-          <p:nvPr/>
-        </p:nvSpPr>
-        <p:spPr>
-          <a:xfrm>
-            <a:off x="3621212" y="6657945"/>
-            <a:ext cx="2473754" cy="200055"/>
-          </a:xfrm>
-          <a:prstGeom prst="rect">
-            <a:avLst/>
-          </a:prstGeom>
-          <a:solidFill>
-            <a:srgbClr val="000000"/>
-          </a:solidFill>
-        </p:spPr>
-        <p:txBody>
-          <a:bodyPr wrap="none">
-            <a:spAutoFit/>
-          </a:bodyPr>
-          <a:lstStyle/>
-          <a:p>
-            <a:pPr algn="r">
-              <a:spcAft>
-                <a:spcPts val="600"/>
-              </a:spcAft>
-            </a:pPr>
-            <a:r>
-              <a:rPr lang="en-US" sz="700">
-                <a:solidFill>
-                  <a:srgbClr val="FFFFFF"/>
-                </a:solidFill>
-                <a:hlinkClick r:id="rId3">
-                  <a:extLst>
-                    <a:ext uri="{A12FA001-AC4F-418D-AE19-62706E023703}">
-                      <ahyp:hlinkClr xmlns:ahyp="http://schemas.microsoft.com/office/drawing/2018/hyperlinkcolor" val="tx"/>
-                    </a:ext>
-                  </a:extLst>
-                </a:hlinkClick>
-              </a:rPr>
-              <a:t>This Photo</a:t>
-            </a:r>
-            <a:r>
-              <a:rPr lang="en-US" sz="700">
-                <a:solidFill>
-                  <a:srgbClr val="FFFFFF"/>
-                </a:solidFill>
-              </a:rPr>
-              <a:t> by Unknown author is licensed under </a:t>
-            </a:r>
-            <a:r>
-              <a:rPr lang="en-US" sz="700">
-                <a:solidFill>
-                  <a:srgbClr val="FFFFFF"/>
-                </a:solidFill>
-                <a:hlinkClick r:id="rId5">
-                  <a:extLst>
-                    <a:ext uri="{A12FA001-AC4F-418D-AE19-62706E023703}">
-                      <ahyp:hlinkClr xmlns:ahyp="http://schemas.microsoft.com/office/drawing/2018/hyperlinkcolor" val="tx"/>
-                    </a:ext>
-                  </a:extLst>
-                </a:hlinkClick>
-              </a:rPr>
-              <a:t>CC BY-NC-ND</a:t>
-            </a:r>
-            <a:r>
-              <a:rPr lang="en-US" sz="700">
-                <a:solidFill>
-                  <a:srgbClr val="FFFFFF"/>
-                </a:solidFill>
-              </a:rPr>
-              <a:t>.</a:t>
-            </a:r>
           </a:p>
         </p:txBody>
       </p:sp>
@@ -3592,10 +3492,15 @@
                             </p:stCondLst>
                             <p:childTnLst>
                               <p:par>
-                                <p:cTn id="5" presetID="10" presetClass="entr" presetSubtype="0" fill="hold" grpId="0" nodeType="withEffect">
+                                <p:cTn id="5" presetID="10" presetClass="entr" presetSubtype="0" fill="hold" grpId="0" nodeType="withEffect" nodePh="1">
                                   <p:stCondLst>
                                     <p:cond delay="2000"/>
                                   </p:stCondLst>
+                                  <p:endCondLst>
+                                    <p:cond evt="begin" delay="0">
+                                      <p:tn val="5"/>
+                                    </p:cond>
+                                  </p:endCondLst>
                                   <p:iterate type="lt">
                                     <p:tmPct val="10000"/>
                                   </p:iterate>
@@ -4404,7 +4309,7 @@
 </file>
 
 <file path=ppt/theme/theme1.xml><?xml version="1.0" encoding="utf-8"?>
-<a:theme xmlns:a="http://schemas.openxmlformats.org/drawingml/2006/main" name="office theme">
+<a:theme xmlns:a="http://schemas.openxmlformats.org/drawingml/2006/main" name="Office Theme">
   <a:themeElements>
     <a:clrScheme name="Office Theme">
       <a:dk1>
@@ -4420,22 +4325,22 @@
         <a:srgbClr val="E7E6E6"/>
       </a:lt2>
       <a:accent1>
-        <a:srgbClr val="4472C4"/>
+        <a:srgbClr val="1D9A78"/>
       </a:accent1>
       <a:accent2>
-        <a:srgbClr val="ED7D31"/>
+        <a:srgbClr val="8BC145"/>
       </a:accent2>
       <a:accent3>
-        <a:srgbClr val="A5A5A5"/>
+        <a:srgbClr val="36AFCE"/>
       </a:accent3>
       <a:accent4>
-        <a:srgbClr val="FFC000"/>
+        <a:srgbClr val="1D6FA9"/>
       </a:accent4>
       <a:accent5>
-        <a:srgbClr val="5B9BD5"/>
+        <a:srgbClr val="B74919"/>
       </a:accent5>
       <a:accent6>
-        <a:srgbClr val="70AD47"/>
+        <a:srgbClr val="F19D19"/>
       </a:accent6>
       <a:hlink>
         <a:srgbClr val="0563C1"/>
@@ -4449,9 +4354,9 @@
         <a:latin typeface="Calibri Light" panose="020F0302020204030204"/>
         <a:ea typeface=""/>
         <a:cs typeface=""/>
-        <a:font script="Jpan" typeface="ＭＳ Ｐゴシック"/>
+        <a:font script="Jpan" typeface="游ゴシック Light"/>
         <a:font script="Hang" typeface="맑은 고딕"/>
-        <a:font script="Hans" typeface="宋体"/>
+        <a:font script="Hans" typeface="等线 Light"/>
         <a:font script="Hant" typeface="新細明體"/>
         <a:font script="Arab" typeface="Times New Roman"/>
         <a:font script="Hebr" typeface="Times New Roman"/>
@@ -4484,9 +4389,9 @@
         <a:latin typeface="Calibri" panose="020F0502020204030204"/>
         <a:ea typeface=""/>
         <a:cs typeface=""/>
-        <a:font script="Jpan" typeface="ＭＳ Ｐゴシック"/>
+        <a:font script="Jpan" typeface="游ゴシック"/>
         <a:font script="Hang" typeface="맑은 고딕"/>
-        <a:font script="Hans" typeface="宋体"/>
+        <a:font script="Hans" typeface="等线"/>
         <a:font script="Hant" typeface="新細明體"/>
         <a:font script="Arab" typeface="Arial"/>
         <a:font script="Hebr" typeface="Arial"/>
@@ -4658,7 +4563,7 @@
   <a:extraClrSchemeLst/>
   <a:extLst>
     <a:ext uri="{05A4C25C-085E-4340-85A3-A5531E510DB2}">
-      <thm15:themeFamily xmlns:thm15="http://schemas.microsoft.com/office/thememl/2012/main" name="Office Theme" id="{62F939B6-93AF-4DB8-9C6B-D6C7DFDC589F}" vid="{4A3C46E8-61CC-4603-A589-7422A47A8E4A}"/>
+      <thm15:themeFamily xmlns:thm15="http://schemas.microsoft.com/office/thememl/2012/main" name="Office Theme 2013 - 2022" id="{62F939B6-93AF-4DB8-9C6B-D6C7DFDC589F}" vid="{AE6F2518-B084-4896-AF52-66CC2144AA26}"/>
     </a:ext>
   </a:extLst>
 </a:theme>
